--- a/Data_Analysis/Fang_Zhang_Data_Analysis_Assignment.pptx
+++ b/Data_Analysis/Fang_Zhang_Data_Analysis_Assignment.pptx
@@ -8130,11 +8130,13 @@
         <p:spPr>
           <a:xfrm>
             <a:off x="302412" y="1574211"/>
-            <a:ext cx="11196884" cy="3499779"/>
+            <a:ext cx="11132843" cy="4595361"/>
           </a:xfrm>
         </p:spPr>
         <p:txBody>
-          <a:bodyPr/>
+          <a:bodyPr>
+            <a:normAutofit/>
+          </a:bodyPr>
           <a:lstStyle/>
           <a:p>
             <a:pPr>
@@ -8765,6 +8767,118 @@
               <a:t> </a:t>
             </a:r>
             <a:endParaRPr lang="en-US" altLang="zh-CN" dirty="0"/>
+          </a:p>
+          <a:p>
+            <a:pPr>
+              <a:lnSpc>
+                <a:spcPct val="150000"/>
+              </a:lnSpc>
+            </a:pPr>
+            <a:r>
+              <a:rPr lang="en-US" altLang="zh-CN" dirty="0"/>
+              <a:t>The</a:t>
+            </a:r>
+            <a:r>
+              <a:rPr lang="zh-CN" altLang="en-US" dirty="0"/>
+              <a:t> </a:t>
+            </a:r>
+            <a:r>
+              <a:rPr lang="en-US" altLang="zh-CN" dirty="0"/>
+              <a:t>code</a:t>
+            </a:r>
+            <a:r>
+              <a:rPr lang="zh-CN" altLang="en-US" dirty="0"/>
+              <a:t> </a:t>
+            </a:r>
+            <a:r>
+              <a:rPr lang="en-US" altLang="zh-CN" dirty="0"/>
+              <a:t>for</a:t>
+            </a:r>
+            <a:r>
+              <a:rPr lang="zh-CN" altLang="en-US" dirty="0"/>
+              <a:t> </a:t>
+            </a:r>
+            <a:r>
+              <a:rPr lang="en-US" altLang="zh-CN" dirty="0"/>
+              <a:t>this</a:t>
+            </a:r>
+            <a:r>
+              <a:rPr lang="zh-CN" altLang="en-US" dirty="0"/>
+              <a:t> </a:t>
+            </a:r>
+            <a:r>
+              <a:rPr lang="en-US" altLang="zh-CN" dirty="0"/>
+              <a:t>assignment</a:t>
+            </a:r>
+            <a:r>
+              <a:rPr lang="zh-CN" altLang="en-US" dirty="0"/>
+              <a:t> </a:t>
+            </a:r>
+            <a:r>
+              <a:rPr lang="en-US" altLang="zh-CN" dirty="0"/>
+              <a:t>can</a:t>
+            </a:r>
+            <a:r>
+              <a:rPr lang="zh-CN" altLang="en-US" dirty="0"/>
+              <a:t> </a:t>
+            </a:r>
+            <a:r>
+              <a:rPr lang="en-US" altLang="zh-CN" dirty="0"/>
+              <a:t>be</a:t>
+            </a:r>
+            <a:r>
+              <a:rPr lang="zh-CN" altLang="en-US" dirty="0"/>
+              <a:t> </a:t>
+            </a:r>
+            <a:r>
+              <a:rPr lang="en-US" altLang="zh-CN" dirty="0"/>
+              <a:t>found</a:t>
+            </a:r>
+            <a:r>
+              <a:rPr lang="zh-CN" altLang="en-US" dirty="0"/>
+              <a:t> </a:t>
+            </a:r>
+            <a:r>
+              <a:rPr lang="en-US" altLang="zh-CN" dirty="0"/>
+              <a:t>at</a:t>
+            </a:r>
+            <a:r>
+              <a:rPr lang="zh-CN" altLang="en-US" dirty="0"/>
+              <a:t> </a:t>
+            </a:r>
+            <a:r>
+              <a:rPr lang="en-US" altLang="zh-CN" dirty="0"/>
+              <a:t>my</a:t>
+            </a:r>
+            <a:r>
+              <a:rPr lang="zh-CN" altLang="en-US" dirty="0"/>
+              <a:t> </a:t>
+            </a:r>
+            <a:r>
+              <a:rPr lang="en-US" altLang="zh-CN" dirty="0"/>
+              <a:t>GitHub:</a:t>
+            </a:r>
+          </a:p>
+          <a:p>
+            <a:pPr marL="0" indent="0">
+              <a:lnSpc>
+                <a:spcPct val="150000"/>
+              </a:lnSpc>
+              <a:buNone/>
+            </a:pPr>
+            <a:r>
+              <a:rPr lang="zh-CN" altLang="en-US" dirty="0">
+                <a:hlinkClick r:id="rId2"/>
+              </a:rPr>
+              <a:t>  </a:t>
+            </a:r>
+            <a:r>
+              <a:rPr lang="en-US" dirty="0">
+                <a:hlinkClick r:id="rId2"/>
+              </a:rPr>
+              <a:t>https://github.com/fzhang22/BIA686-Practicum-in-Analytics/blob/master/Data_Analysis/Individual_analysis.ipynb</a:t>
+            </a:r>
+            <a:endParaRPr lang="en-US" altLang="zh-CN" b="1" dirty="0"/>
           </a:p>
           <a:p>
             <a:pPr marL="0" indent="0">
